--- a/pptx/第2章 多元数据数学表达.pptx
+++ b/pptx/第2章 多元数据数学表达.pptx
@@ -3609,7 +3609,7 @@
         <p:spPr>
           <a:xfrm>
             <a:off x="2711450" y="2637155"/>
-            <a:ext cx="6824345" cy="808990"/>
+            <a:ext cx="6824345" cy="1753235"/>
           </a:xfrm>
           <a:prstGeom prst="rect">
             <a:avLst/>
@@ -3786,6 +3786,69 @@
               <a:t>建模 </a:t>
             </a:r>
             <a:endParaRPr lang="zh-CN" altLang="en-US" sz="4400" b="1" dirty="0">
+              <a:solidFill>
+                <a:srgbClr val="1115C3"/>
+              </a:solidFill>
+              <a:latin typeface="微软雅黑" panose="020B0503020204020204" charset="-122"/>
+              <a:ea typeface="微软雅黑" panose="020B0503020204020204" charset="-122"/>
+              <a:sym typeface="微软雅黑" panose="020B0503020204020204" charset="-122"/>
+            </a:endParaRPr>
+          </a:p>
+          <a:p>
+            <a:pPr marL="0" lvl="0" indent="0" algn="ctr" defTabSz="914400">
+              <a:spcBef>
+                <a:spcPct val="0"/>
+              </a:spcBef>
+              <a:buFont typeface="Arial" panose="020B0604020202020204" pitchFamily="34" charset="0"/>
+              <a:buNone/>
+            </a:pPr>
+            <a:r>
+              <a:rPr lang="zh-CN" altLang="en-US" b="1" dirty="0">
+                <a:solidFill>
+                  <a:schemeClr val="accent1"/>
+                </a:solidFill>
+                <a:effectLst>
+                  <a:outerShdw blurRad="38100" dist="25400" dir="5400000" algn="ctr" rotWithShape="0">
+                    <a:srgbClr val="6E747A">
+                      <a:alpha val="43000"/>
+                    </a:srgbClr>
+                  </a:outerShdw>
+                </a:effectLst>
+                <a:latin typeface="微软雅黑" panose="020B0503020204020204" charset="-122"/>
+                <a:ea typeface="微软雅黑" panose="020B0503020204020204" charset="-122"/>
+                <a:sym typeface="微软雅黑" panose="020B0503020204020204" charset="-122"/>
+              </a:rPr>
+              <a:t>（第五版）</a:t>
+            </a:r>
+            <a:r>
+              <a:rPr lang="zh-CN" altLang="en-US" b="1" dirty="0">
+                <a:solidFill>
+                  <a:srgbClr val="1115C3"/>
+                </a:solidFill>
+                <a:latin typeface="微软雅黑" panose="020B0503020204020204" charset="-122"/>
+                <a:ea typeface="微软雅黑" panose="020B0503020204020204" charset="-122"/>
+                <a:sym typeface="微软雅黑" panose="020B0503020204020204" charset="-122"/>
+              </a:rPr>
+              <a:t> </a:t>
+            </a:r>
+            <a:endParaRPr lang="zh-CN" altLang="en-US" b="1" dirty="0">
+              <a:solidFill>
+                <a:srgbClr val="1115C3"/>
+              </a:solidFill>
+              <a:latin typeface="微软雅黑" panose="020B0503020204020204" charset="-122"/>
+              <a:ea typeface="微软雅黑" panose="020B0503020204020204" charset="-122"/>
+              <a:sym typeface="微软雅黑" panose="020B0503020204020204" charset="-122"/>
+            </a:endParaRPr>
+          </a:p>
+          <a:p>
+            <a:pPr marL="0" lvl="0" indent="0" defTabSz="914400">
+              <a:spcBef>
+                <a:spcPct val="0"/>
+              </a:spcBef>
+              <a:buFont typeface="Arial" panose="020B0604020202020204" pitchFamily="34" charset="0"/>
+              <a:buNone/>
+            </a:pPr>
+            <a:endParaRPr lang="zh-CN" altLang="en-US" b="1" dirty="0">
               <a:solidFill>
                 <a:srgbClr val="1115C3"/>
               </a:solidFill>
@@ -18994,8 +19057,8 @@
         </p:nvSpPr>
         <p:spPr>
           <a:xfrm>
-            <a:off x="5659120" y="4603750"/>
-            <a:ext cx="5080000" cy="583565"/>
+            <a:off x="5659120" y="5370830"/>
+            <a:ext cx="5080000" cy="521970"/>
           </a:xfrm>
           <a:prstGeom prst="rect">
             <a:avLst/>
@@ -19012,14 +19075,14 @@
           <a:p>
             <a:pPr marL="0" indent="0" algn="l"/>
             <a:r>
-              <a:rPr lang="en-US" altLang="zh-CN" sz="3200" b="1" u="none">
+              <a:rPr lang="en-US" altLang="zh-CN" sz="2800" b="1" u="none">
                 <a:latin typeface="Calibri" panose="020F0502020204030204" charset="0"/>
                 <a:ea typeface="Calibri" panose="020F0502020204030204" charset="0"/>
                 <a:cs typeface="Calibri" panose="020F0502020204030204" charset="0"/>
               </a:rPr>
               <a:t>X=read.csv("textdata.csv") </a:t>
             </a:r>
-            <a:endParaRPr lang="en-US" altLang="zh-CN" sz="3200" b="1" u="none">
+            <a:endParaRPr lang="en-US" altLang="zh-CN" sz="2800" b="1" u="none">
               <a:latin typeface="Calibri" panose="020F0502020204030204" charset="0"/>
               <a:ea typeface="Calibri" panose="020F0502020204030204" charset="0"/>
               <a:cs typeface="Calibri" panose="020F0502020204030204" charset="0"/>
@@ -19035,7 +19098,52 @@
         </p:nvSpPr>
         <p:spPr>
           <a:xfrm>
-            <a:off x="5267960" y="1991360"/>
+            <a:off x="5278755" y="1591310"/>
+            <a:ext cx="6423660" cy="460375"/>
+          </a:xfrm>
+          <a:prstGeom prst="rect">
+            <a:avLst/>
+          </a:prstGeom>
+          <a:noFill/>
+        </p:spPr>
+        <p:txBody>
+          <a:bodyPr wrap="square" rtlCol="0">
+            <a:spAutoFit/>
+          </a:bodyPr>
+          <a:p>
+            <a:r>
+              <a:rPr lang="en-US" altLang="zh-CN" sz="2400" b="1"/>
+              <a:t>1.</a:t>
+            </a:r>
+            <a:r>
+              <a:rPr lang="zh-CN" altLang="en-US" sz="2400" b="1"/>
+              <a:t>下载读取</a:t>
+            </a:r>
+            <a:r>
+              <a:rPr lang="en-US" altLang="zh-CN" sz="2400" b="1"/>
+              <a:t>excel</a:t>
+            </a:r>
+            <a:r>
+              <a:rPr lang="zh-CN" altLang="en-US" sz="2400" b="1"/>
+              <a:t>文件的包</a:t>
+            </a:r>
+            <a:r>
+              <a:rPr lang="en-US" altLang="zh-CN" sz="2400" b="1"/>
+              <a:t>“readxl”</a:t>
+            </a:r>
+            <a:endParaRPr lang="en-US" altLang="zh-CN" sz="2400" b="1"/>
+          </a:p>
+        </p:txBody>
+      </p:sp>
+      <p:sp>
+        <p:nvSpPr>
+          <p:cNvPr id="12" name="文本框 11"/>
+          <p:cNvSpPr txBox="1"/>
+          <p:nvPr/>
+        </p:nvSpPr>
+        <p:spPr>
+          <a:xfrm>
+            <a:off x="5273040" y="2012950"/>
             <a:ext cx="5401945" cy="460375"/>
           </a:xfrm>
           <a:prstGeom prst="rect">
@@ -19050,23 +19158,15 @@
           <a:p>
             <a:r>
               <a:rPr lang="en-US" altLang="zh-CN" sz="2400" b="1"/>
-              <a:t>1.</a:t>
+              <a:t>2. </a:t>
             </a:r>
             <a:r>
               <a:rPr lang="zh-CN" altLang="en-US" sz="2400" b="1"/>
-              <a:t>下载读取</a:t>
+              <a:t>调用包：</a:t>
             </a:r>
             <a:r>
               <a:rPr lang="en-US" altLang="zh-CN" sz="2400" b="1"/>
-              <a:t>excel</a:t>
-            </a:r>
-            <a:r>
-              <a:rPr lang="zh-CN" altLang="en-US" sz="2400" b="1"/>
-              <a:t>文件的包</a:t>
-            </a:r>
-            <a:r>
-              <a:rPr lang="en-US" altLang="zh-CN" sz="2400" b="1"/>
-              <a:t>“readxl”</a:t>
+              <a:t>library(readxl)</a:t>
             </a:r>
             <a:endParaRPr lang="en-US" altLang="zh-CN" sz="2400" b="1"/>
           </a:p>
@@ -19074,13 +19174,13 @@
       </p:sp>
       <p:sp>
         <p:nvSpPr>
-          <p:cNvPr id="12" name="文本框 11"/>
+          <p:cNvPr id="13" name="文本框 12"/>
           <p:cNvSpPr txBox="1"/>
           <p:nvPr/>
         </p:nvSpPr>
         <p:spPr>
           <a:xfrm>
-            <a:off x="5273040" y="2413000"/>
+            <a:off x="5278120" y="2444750"/>
             <a:ext cx="5401945" cy="460375"/>
           </a:xfrm>
           <a:prstGeom prst="rect">
@@ -19095,15 +19195,15 @@
           <a:p>
             <a:r>
               <a:rPr lang="en-US" altLang="zh-CN" sz="2400" b="1"/>
-              <a:t>2. </a:t>
+              <a:t>3. </a:t>
             </a:r>
             <a:r>
               <a:rPr lang="zh-CN" altLang="en-US" sz="2400" b="1"/>
-              <a:t>调用包：</a:t>
+              <a:t>读取文件：</a:t>
             </a:r>
             <a:r>
               <a:rPr lang="en-US" altLang="zh-CN" sz="2400" b="1"/>
-              <a:t>library(readxl)</a:t>
+              <a:t>X=read_excel(“data.xls”)</a:t>
             </a:r>
             <a:endParaRPr lang="en-US" altLang="zh-CN" sz="2400" b="1"/>
           </a:p>
@@ -19111,13 +19211,82 @@
       </p:sp>
       <p:sp>
         <p:nvSpPr>
-          <p:cNvPr id="13" name="文本框 12"/>
+          <p:cNvPr id="2" name="文本框 1"/>
           <p:cNvSpPr txBox="1"/>
           <p:nvPr/>
         </p:nvSpPr>
         <p:spPr>
           <a:xfrm>
-            <a:off x="5278120" y="2844800"/>
+            <a:off x="5557520" y="3584575"/>
+            <a:ext cx="6423660" cy="460375"/>
+          </a:xfrm>
+          <a:prstGeom prst="rect">
+            <a:avLst/>
+          </a:prstGeom>
+          <a:noFill/>
+        </p:spPr>
+        <p:txBody>
+          <a:bodyPr wrap="square" rtlCol="0">
+            <a:spAutoFit/>
+          </a:bodyPr>
+          <a:p>
+            <a:r>
+              <a:rPr lang="en-US" altLang="zh-CN" sz="2400" b="1">
+                <a:solidFill>
+                  <a:srgbClr val="FF0000"/>
+                </a:solidFill>
+              </a:rPr>
+              <a:t>1.</a:t>
+            </a:r>
+            <a:r>
+              <a:rPr lang="zh-CN" altLang="en-US" sz="2400" b="1">
+                <a:solidFill>
+                  <a:srgbClr val="FF0000"/>
+                </a:solidFill>
+              </a:rPr>
+              <a:t>下载读取</a:t>
+            </a:r>
+            <a:r>
+              <a:rPr lang="en-US" altLang="zh-CN" sz="2400" b="1">
+                <a:solidFill>
+                  <a:srgbClr val="FF0000"/>
+                </a:solidFill>
+              </a:rPr>
+              <a:t>excel</a:t>
+            </a:r>
+            <a:r>
+              <a:rPr lang="zh-CN" altLang="en-US" sz="2400" b="1">
+                <a:solidFill>
+                  <a:srgbClr val="FF0000"/>
+                </a:solidFill>
+              </a:rPr>
+              <a:t>文件的包</a:t>
+            </a:r>
+            <a:r>
+              <a:rPr lang="en-US" altLang="zh-CN" sz="2400" b="1">
+                <a:solidFill>
+                  <a:srgbClr val="FF0000"/>
+                </a:solidFill>
+              </a:rPr>
+              <a:t>“readxl”</a:t>
+            </a:r>
+            <a:endParaRPr lang="en-US" altLang="zh-CN" sz="2400" b="1">
+              <a:solidFill>
+                <a:srgbClr val="FF0000"/>
+              </a:solidFill>
+            </a:endParaRPr>
+          </a:p>
+        </p:txBody>
+      </p:sp>
+      <p:sp>
+        <p:nvSpPr>
+          <p:cNvPr id="8" name="文本框 7"/>
+          <p:cNvSpPr txBox="1"/>
+          <p:nvPr/>
+        </p:nvSpPr>
+        <p:spPr>
+          <a:xfrm>
+            <a:off x="5552440" y="4044950"/>
             <a:ext cx="5401945" cy="460375"/>
           </a:xfrm>
           <a:prstGeom prst="rect">
@@ -19131,18 +19300,140 @@
           </a:bodyPr>
           <a:p>
             <a:r>
-              <a:rPr lang="en-US" altLang="zh-CN" sz="2400" b="1"/>
+              <a:rPr lang="en-US" altLang="zh-CN" sz="2400" b="1">
+                <a:solidFill>
+                  <a:srgbClr val="FF0000"/>
+                </a:solidFill>
+              </a:rPr>
+              <a:t>2. </a:t>
+            </a:r>
+            <a:r>
+              <a:rPr lang="zh-CN" altLang="en-US" sz="2400" b="1">
+                <a:solidFill>
+                  <a:srgbClr val="FF0000"/>
+                </a:solidFill>
+              </a:rPr>
+              <a:t>调用包：</a:t>
+            </a:r>
+            <a:r>
+              <a:rPr lang="en-US" altLang="zh-CN" sz="2400" b="1">
+                <a:solidFill>
+                  <a:srgbClr val="FF0000"/>
+                </a:solidFill>
+              </a:rPr>
+              <a:t>library(openxlsx)</a:t>
+            </a:r>
+            <a:endParaRPr lang="en-US" altLang="zh-CN" sz="2400" b="1">
+              <a:solidFill>
+                <a:srgbClr val="FF0000"/>
+              </a:solidFill>
+            </a:endParaRPr>
+          </a:p>
+        </p:txBody>
+      </p:sp>
+      <p:sp>
+        <p:nvSpPr>
+          <p:cNvPr id="10" name="文本框 9"/>
+          <p:cNvSpPr txBox="1"/>
+          <p:nvPr/>
+        </p:nvSpPr>
+        <p:spPr>
+          <a:xfrm>
+            <a:off x="5557520" y="4476750"/>
+            <a:ext cx="5401945" cy="460375"/>
+          </a:xfrm>
+          <a:prstGeom prst="rect">
+            <a:avLst/>
+          </a:prstGeom>
+          <a:noFill/>
+        </p:spPr>
+        <p:txBody>
+          <a:bodyPr wrap="square" rtlCol="0">
+            <a:spAutoFit/>
+          </a:bodyPr>
+          <a:p>
+            <a:r>
+              <a:rPr lang="en-US" altLang="zh-CN" sz="2400" b="1">
+                <a:solidFill>
+                  <a:srgbClr val="FF0000"/>
+                </a:solidFill>
+              </a:rPr>
               <a:t>3. </a:t>
             </a:r>
             <a:r>
-              <a:rPr lang="zh-CN" altLang="en-US" sz="2400" b="1"/>
+              <a:rPr lang="zh-CN" altLang="en-US" sz="2400" b="1">
+                <a:solidFill>
+                  <a:srgbClr val="FF0000"/>
+                </a:solidFill>
+              </a:rPr>
               <a:t>读取文件：</a:t>
             </a:r>
             <a:r>
-              <a:rPr lang="en-US" altLang="zh-CN" sz="2400" b="1"/>
-              <a:t>X=read_excel(“data.xls”)</a:t>
-            </a:r>
-            <a:endParaRPr lang="en-US" altLang="zh-CN" sz="2400" b="1"/>
+              <a:rPr lang="en-US" altLang="zh-CN" sz="2400" b="1">
+                <a:solidFill>
+                  <a:srgbClr val="FF0000"/>
+                </a:solidFill>
+              </a:rPr>
+              <a:t>X=read.xlsx(“data.xlsx”)</a:t>
+            </a:r>
+            <a:endParaRPr lang="en-US" altLang="zh-CN" sz="2400" b="1">
+              <a:solidFill>
+                <a:srgbClr val="FF0000"/>
+              </a:solidFill>
+            </a:endParaRPr>
+          </a:p>
+        </p:txBody>
+      </p:sp>
+      <p:sp>
+        <p:nvSpPr>
+          <p:cNvPr id="11" name="文本框 10"/>
+          <p:cNvSpPr txBox="1"/>
+          <p:nvPr/>
+        </p:nvSpPr>
+        <p:spPr>
+          <a:xfrm>
+            <a:off x="5046980" y="3103245"/>
+            <a:ext cx="6423660" cy="460375"/>
+          </a:xfrm>
+          <a:prstGeom prst="rect">
+            <a:avLst/>
+          </a:prstGeom>
+          <a:noFill/>
+        </p:spPr>
+        <p:txBody>
+          <a:bodyPr wrap="square" rtlCol="0">
+            <a:spAutoFit/>
+          </a:bodyPr>
+          <a:p>
+            <a:r>
+              <a:rPr lang="zh-CN" altLang="en-US" sz="2400" b="1">
+                <a:solidFill>
+                  <a:srgbClr val="FF0000"/>
+                </a:solidFill>
+              </a:rPr>
+              <a:t>也可以使用包</a:t>
+            </a:r>
+            <a:r>
+              <a:rPr lang="en-US" altLang="zh-CN" sz="2400" b="1">
+                <a:solidFill>
+                  <a:srgbClr val="FF0000"/>
+                </a:solidFill>
+              </a:rPr>
+              <a:t>“openxlsx”</a:t>
+            </a:r>
+            <a:r>
+              <a:rPr lang="zh-CN" altLang="en-US" sz="2400" b="1">
+                <a:solidFill>
+                  <a:srgbClr val="FF0000"/>
+                </a:solidFill>
+              </a:rPr>
+              <a:t>（第五版采用）</a:t>
+            </a:r>
+            <a:endParaRPr lang="zh-CN" altLang="en-US" sz="2400" b="1">
+              <a:solidFill>
+                <a:srgbClr val="FF0000"/>
+              </a:solidFill>
+            </a:endParaRPr>
           </a:p>
         </p:txBody>
       </p:sp>
@@ -19865,6 +20156,316 @@
                       </p:childTnLst>
                     </p:cTn>
                   </p:par>
+                  <p:par>
+                    <p:cTn id="51" fill="hold">
+                      <p:stCondLst>
+                        <p:cond delay="indefinite"/>
+                      </p:stCondLst>
+                      <p:childTnLst>
+                        <p:par>
+                          <p:cTn id="52" fill="hold">
+                            <p:stCondLst>
+                              <p:cond delay="0"/>
+                            </p:stCondLst>
+                            <p:childTnLst>
+                              <p:par>
+                                <p:cTn id="53" presetID="2" presetClass="entr" presetSubtype="4" fill="hold" grpId="0" nodeType="clickEffect">
+                                  <p:stCondLst>
+                                    <p:cond delay="0"/>
+                                  </p:stCondLst>
+                                  <p:childTnLst>
+                                    <p:set>
+                                      <p:cBhvr>
+                                        <p:cTn id="54" dur="1" fill="hold">
+                                          <p:stCondLst>
+                                            <p:cond delay="0"/>
+                                          </p:stCondLst>
+                                        </p:cTn>
+                                        <p:tgtEl>
+                                          <p:spTgt spid="11"/>
+                                        </p:tgtEl>
+                                        <p:attrNameLst>
+                                          <p:attrName>style.visibility</p:attrName>
+                                        </p:attrNameLst>
+                                      </p:cBhvr>
+                                      <p:to>
+                                        <p:strVal val="visible"/>
+                                      </p:to>
+                                    </p:set>
+                                    <p:anim calcmode="lin" valueType="num">
+                                      <p:cBhvr additive="base">
+                                        <p:cTn id="55" dur="500" fill="hold"/>
+                                        <p:tgtEl>
+                                          <p:spTgt spid="11"/>
+                                        </p:tgtEl>
+                                        <p:attrNameLst>
+                                          <p:attrName>ppt_x</p:attrName>
+                                        </p:attrNameLst>
+                                      </p:cBhvr>
+                                      <p:tavLst>
+                                        <p:tav tm="0">
+                                          <p:val>
+                                            <p:strVal val="#ppt_x"/>
+                                          </p:val>
+                                        </p:tav>
+                                        <p:tav tm="100000">
+                                          <p:val>
+                                            <p:strVal val="#ppt_x"/>
+                                          </p:val>
+                                        </p:tav>
+                                      </p:tavLst>
+                                    </p:anim>
+                                    <p:anim calcmode="lin" valueType="num">
+                                      <p:cBhvr additive="base">
+                                        <p:cTn id="56" dur="500" fill="hold"/>
+                                        <p:tgtEl>
+                                          <p:spTgt spid="11"/>
+                                        </p:tgtEl>
+                                        <p:attrNameLst>
+                                          <p:attrName>ppt_y</p:attrName>
+                                        </p:attrNameLst>
+                                      </p:cBhvr>
+                                      <p:tavLst>
+                                        <p:tav tm="0">
+                                          <p:val>
+                                            <p:strVal val="1+#ppt_h/2"/>
+                                          </p:val>
+                                        </p:tav>
+                                        <p:tav tm="100000">
+                                          <p:val>
+                                            <p:strVal val="#ppt_y"/>
+                                          </p:val>
+                                        </p:tav>
+                                      </p:tavLst>
+                                    </p:anim>
+                                  </p:childTnLst>
+                                </p:cTn>
+                              </p:par>
+                              <p:par>
+                                <p:cTn id="57" presetID="2" presetClass="entr" presetSubtype="4" fill="hold" grpId="0" nodeType="withEffect">
+                                  <p:stCondLst>
+                                    <p:cond delay="0"/>
+                                  </p:stCondLst>
+                                  <p:childTnLst>
+                                    <p:set>
+                                      <p:cBhvr>
+                                        <p:cTn id="58" dur="1" fill="hold">
+                                          <p:stCondLst>
+                                            <p:cond delay="0"/>
+                                          </p:stCondLst>
+                                        </p:cTn>
+                                        <p:tgtEl>
+                                          <p:spTgt spid="2"/>
+                                        </p:tgtEl>
+                                        <p:attrNameLst>
+                                          <p:attrName>style.visibility</p:attrName>
+                                        </p:attrNameLst>
+                                      </p:cBhvr>
+                                      <p:to>
+                                        <p:strVal val="visible"/>
+                                      </p:to>
+                                    </p:set>
+                                    <p:anim calcmode="lin" valueType="num">
+                                      <p:cBhvr additive="base">
+                                        <p:cTn id="59" dur="500" fill="hold"/>
+                                        <p:tgtEl>
+                                          <p:spTgt spid="2"/>
+                                        </p:tgtEl>
+                                        <p:attrNameLst>
+                                          <p:attrName>ppt_x</p:attrName>
+                                        </p:attrNameLst>
+                                      </p:cBhvr>
+                                      <p:tavLst>
+                                        <p:tav tm="0">
+                                          <p:val>
+                                            <p:strVal val="#ppt_x"/>
+                                          </p:val>
+                                        </p:tav>
+                                        <p:tav tm="100000">
+                                          <p:val>
+                                            <p:strVal val="#ppt_x"/>
+                                          </p:val>
+                                        </p:tav>
+                                      </p:tavLst>
+                                    </p:anim>
+                                    <p:anim calcmode="lin" valueType="num">
+                                      <p:cBhvr additive="base">
+                                        <p:cTn id="60" dur="500" fill="hold"/>
+                                        <p:tgtEl>
+                                          <p:spTgt spid="2"/>
+                                        </p:tgtEl>
+                                        <p:attrNameLst>
+                                          <p:attrName>ppt_y</p:attrName>
+                                        </p:attrNameLst>
+                                      </p:cBhvr>
+                                      <p:tavLst>
+                                        <p:tav tm="0">
+                                          <p:val>
+                                            <p:strVal val="1+#ppt_h/2"/>
+                                          </p:val>
+                                        </p:tav>
+                                        <p:tav tm="100000">
+                                          <p:val>
+                                            <p:strVal val="#ppt_y"/>
+                                          </p:val>
+                                        </p:tav>
+                                      </p:tavLst>
+                                    </p:anim>
+                                  </p:childTnLst>
+                                </p:cTn>
+                              </p:par>
+                              <p:par>
+                                <p:cTn id="61" presetID="2" presetClass="entr" presetSubtype="4" fill="hold" grpId="0" nodeType="withEffect">
+                                  <p:stCondLst>
+                                    <p:cond delay="0"/>
+                                  </p:stCondLst>
+                                  <p:childTnLst>
+                                    <p:set>
+                                      <p:cBhvr>
+                                        <p:cTn id="62" dur="1" fill="hold">
+                                          <p:stCondLst>
+                                            <p:cond delay="0"/>
+                                          </p:stCondLst>
+                                        </p:cTn>
+                                        <p:tgtEl>
+                                          <p:spTgt spid="8"/>
+                                        </p:tgtEl>
+                                        <p:attrNameLst>
+                                          <p:attrName>style.visibility</p:attrName>
+                                        </p:attrNameLst>
+                                      </p:cBhvr>
+                                      <p:to>
+                                        <p:strVal val="visible"/>
+                                      </p:to>
+                                    </p:set>
+                                    <p:anim calcmode="lin" valueType="num">
+                                      <p:cBhvr additive="base">
+                                        <p:cTn id="63" dur="500" fill="hold"/>
+                                        <p:tgtEl>
+                                          <p:spTgt spid="8"/>
+                                        </p:tgtEl>
+                                        <p:attrNameLst>
+                                          <p:attrName>ppt_x</p:attrName>
+                                        </p:attrNameLst>
+                                      </p:cBhvr>
+                                      <p:tavLst>
+                                        <p:tav tm="0">
+                                          <p:val>
+                                            <p:strVal val="#ppt_x"/>
+                                          </p:val>
+                                        </p:tav>
+                                        <p:tav tm="100000">
+                                          <p:val>
+                                            <p:strVal val="#ppt_x"/>
+                                          </p:val>
+                                        </p:tav>
+                                      </p:tavLst>
+                                    </p:anim>
+                                    <p:anim calcmode="lin" valueType="num">
+                                      <p:cBhvr additive="base">
+                                        <p:cTn id="64" dur="500" fill="hold"/>
+                                        <p:tgtEl>
+                                          <p:spTgt spid="8"/>
+                                        </p:tgtEl>
+                                        <p:attrNameLst>
+                                          <p:attrName>ppt_y</p:attrName>
+                                        </p:attrNameLst>
+                                      </p:cBhvr>
+                                      <p:tavLst>
+                                        <p:tav tm="0">
+                                          <p:val>
+                                            <p:strVal val="1+#ppt_h/2"/>
+                                          </p:val>
+                                        </p:tav>
+                                        <p:tav tm="100000">
+                                          <p:val>
+                                            <p:strVal val="#ppt_y"/>
+                                          </p:val>
+                                        </p:tav>
+                                      </p:tavLst>
+                                    </p:anim>
+                                  </p:childTnLst>
+                                </p:cTn>
+                              </p:par>
+                              <p:par>
+                                <p:cTn id="65" presetID="2" presetClass="entr" presetSubtype="4" fill="hold" grpId="0" nodeType="withEffect">
+                                  <p:stCondLst>
+                                    <p:cond delay="0"/>
+                                  </p:stCondLst>
+                                  <p:childTnLst>
+                                    <p:set>
+                                      <p:cBhvr>
+                                        <p:cTn id="66" dur="1" fill="hold">
+                                          <p:stCondLst>
+                                            <p:cond delay="0"/>
+                                          </p:stCondLst>
+                                        </p:cTn>
+                                        <p:tgtEl>
+                                          <p:spTgt spid="10"/>
+                                        </p:tgtEl>
+                                        <p:attrNameLst>
+                                          <p:attrName>style.visibility</p:attrName>
+                                        </p:attrNameLst>
+                                      </p:cBhvr>
+                                      <p:to>
+                                        <p:strVal val="visible"/>
+                                      </p:to>
+                                    </p:set>
+                                    <p:anim calcmode="lin" valueType="num">
+                                      <p:cBhvr additive="base">
+                                        <p:cTn id="67" dur="500" fill="hold"/>
+                                        <p:tgtEl>
+                                          <p:spTgt spid="10"/>
+                                        </p:tgtEl>
+                                        <p:attrNameLst>
+                                          <p:attrName>ppt_x</p:attrName>
+                                        </p:attrNameLst>
+                                      </p:cBhvr>
+                                      <p:tavLst>
+                                        <p:tav tm="0">
+                                          <p:val>
+                                            <p:strVal val="#ppt_x"/>
+                                          </p:val>
+                                        </p:tav>
+                                        <p:tav tm="100000">
+                                          <p:val>
+                                            <p:strVal val="#ppt_x"/>
+                                          </p:val>
+                                        </p:tav>
+                                      </p:tavLst>
+                                    </p:anim>
+                                    <p:anim calcmode="lin" valueType="num">
+                                      <p:cBhvr additive="base">
+                                        <p:cTn id="68" dur="500" fill="hold"/>
+                                        <p:tgtEl>
+                                          <p:spTgt spid="10"/>
+                                        </p:tgtEl>
+                                        <p:attrNameLst>
+                                          <p:attrName>ppt_y</p:attrName>
+                                        </p:attrNameLst>
+                                      </p:cBhvr>
+                                      <p:tavLst>
+                                        <p:tav tm="0">
+                                          <p:val>
+                                            <p:strVal val="1+#ppt_h/2"/>
+                                          </p:val>
+                                        </p:tav>
+                                        <p:tav tm="100000">
+                                          <p:val>
+                                            <p:strVal val="#ppt_y"/>
+                                          </p:val>
+                                        </p:tav>
+                                      </p:tavLst>
+                                    </p:anim>
+                                  </p:childTnLst>
+                                </p:cTn>
+                              </p:par>
+                            </p:childTnLst>
+                          </p:cTn>
+                        </p:par>
+                      </p:childTnLst>
+                    </p:cTn>
+                  </p:par>
                 </p:childTnLst>
               </p:cTn>
               <p:prevCondLst>
@@ -19893,6 +20494,10 @@
       <p:bldP spid="3" grpId="0"/>
       <p:bldP spid="12" grpId="0"/>
       <p:bldP spid="13" grpId="0"/>
+      <p:bldP spid="11" grpId="0"/>
+      <p:bldP spid="2" grpId="0"/>
+      <p:bldP spid="8" grpId="0"/>
+      <p:bldP spid="10" grpId="0"/>
     </p:bldLst>
   </p:timing>
 </p:sld>
